--- a/Business Knowledge/e-Commerce.pptx
+++ b/Business Knowledge/e-Commerce.pptx
@@ -2974,10 +2974,10 @@
               <a:buNone/>
             </a:pPr>
             <a:r>
-              <a:rPr lang="en-GB" altLang="en-US"/>
+              <a:rPr lang="en-GB" altLang="en-US" sz="2000"/>
               <a:t>Electronic Comerce (e-Commerce) solutions enables users to shop online, add their shopping to the cart, make the necessary payments and purchase their goods online.</a:t>
             </a:r>
-            <a:endParaRPr lang="en-GB" altLang="en-US"/>
+            <a:endParaRPr lang="en-GB" altLang="en-US" sz="2000"/>
           </a:p>
           <a:p>
             <a:pPr marL="0" indent="0">
@@ -2986,7 +2986,11 @@
               </a:lnSpc>
               <a:buNone/>
             </a:pPr>
-            <a:endParaRPr lang="en-GB" altLang="en-US"/>
+            <a:r>
+              <a:rPr lang="en-GB" altLang="en-US" sz="2000"/>
+              <a:t>e-Commerce transactions could be one or more of Business to Customer (B2C) or Business to Business to Customer (B2B2C) or Business to Business to Business to Customer (B2B2B2C)</a:t>
+            </a:r>
+            <a:endParaRPr lang="en-GB" altLang="en-US" sz="2000"/>
           </a:p>
           <a:p>
             <a:pPr marL="0" indent="0">
@@ -2995,47 +2999,7 @@
               </a:lnSpc>
               <a:buNone/>
             </a:pPr>
-            <a:r>
-              <a:rPr lang="en-GB" altLang="en-US"/>
-              <a:t>e-Commerce transactions could be one of:</a:t>
-            </a:r>
-            <a:endParaRPr lang="en-GB" altLang="en-US"/>
-          </a:p>
-          <a:p>
-            <a:pPr marL="914400" lvl="1" indent="-457200">
-              <a:lnSpc>
-                <a:spcPct val="100000"/>
-              </a:lnSpc>
-            </a:pPr>
-            <a:r>
-              <a:rPr lang="en-GB" altLang="en-US" sz="2400"/>
-              <a:t>Business to Customer (B2C)</a:t>
-            </a:r>
-            <a:endParaRPr lang="en-GB" altLang="en-US" sz="2400"/>
-          </a:p>
-          <a:p>
-            <a:pPr marL="914400" lvl="1" indent="-457200">
-              <a:lnSpc>
-                <a:spcPct val="100000"/>
-              </a:lnSpc>
-            </a:pPr>
-            <a:r>
-              <a:rPr lang="en-GB" altLang="en-US" sz="2400"/>
-              <a:t>Business to Business to Customer (B2B2C)</a:t>
-            </a:r>
-            <a:endParaRPr lang="en-GB" altLang="en-US" sz="2400"/>
-          </a:p>
-          <a:p>
-            <a:pPr marL="914400" lvl="1" indent="-457200">
-              <a:lnSpc>
-                <a:spcPct val="100000"/>
-              </a:lnSpc>
-            </a:pPr>
-            <a:r>
-              <a:rPr lang="en-GB" altLang="en-US" sz="2400"/>
-              <a:t>Business to Business to Business to Customer (B2B2B2C)</a:t>
-            </a:r>
-            <a:endParaRPr lang="en-GB" altLang="en-US" sz="2400"/>
+            <a:endParaRPr lang="en-GB" altLang="en-US" sz="2000"/>
           </a:p>
           <a:p>
             <a:pPr marL="0" indent="0">
@@ -3044,17 +3008,8 @@
               </a:lnSpc>
               <a:buNone/>
             </a:pPr>
-            <a:endParaRPr lang="en-GB" altLang="en-US"/>
-          </a:p>
-          <a:p>
-            <a:pPr marL="0" indent="0">
-              <a:lnSpc>
-                <a:spcPct val="100000"/>
-              </a:lnSpc>
-              <a:buNone/>
-            </a:pPr>
-            <a:r>
-              <a:rPr lang="en-GB" altLang="en-US" b="1">
+            <a:r>
+              <a:rPr lang="en-GB" altLang="en-US" sz="2000" b="1">
                 <a:solidFill>
                   <a:srgbClr val="00B050"/>
                 </a:solidFill>
@@ -3062,10 +3017,23 @@
               <a:t>Clients worked for:</a:t>
             </a:r>
             <a:r>
-              <a:rPr lang="en-GB" altLang="en-US"/>
-              <a:t> RS Components, Equal Experts</a:t>
-            </a:r>
-            <a:endParaRPr lang="en-GB" altLang="en-US"/>
+              <a:rPr lang="en-GB" altLang="en-US" sz="2000"/>
+              <a:t> RS Components</a:t>
+            </a:r>
+            <a:endParaRPr lang="en-GB" altLang="en-US" sz="2000"/>
+          </a:p>
+          <a:p>
+            <a:pPr marL="0" indent="0">
+              <a:lnSpc>
+                <a:spcPct val="100000"/>
+              </a:lnSpc>
+              <a:buNone/>
+            </a:pPr>
+            <a:r>
+              <a:rPr lang="en-GB" altLang="en-US" sz="2000"/>
+              <a:t>RS Components had built an e-Commerce web solution for users to purchase goods online establishing a B2C transaction.</a:t>
+            </a:r>
+            <a:endParaRPr lang="en-GB" altLang="en-US" sz="2000"/>
           </a:p>
         </p:txBody>
       </p:sp>
